--- a/project_files/logo/logo.pptx
+++ b/project_files/logo/logo.pptx
@@ -104,6 +104,11 @@
       </a:defRPr>
     </a:lvl9pPr>
   </p:defaultTextStyle>
+  <p:extLst>
+    <p:ext uri="{EFAFB233-063F-42B5-8137-9DF3F51BA10A}">
+      <p15:sldGuideLst xmlns:p15="http://schemas.microsoft.com/office/powerpoint/2012/main"/>
+    </p:ext>
+  </p:extLst>
 </p:presentation>
 </file>
 
@@ -3882,9 +3887,9 @@
           <p:nvPr/>
         </p:nvCxnSpPr>
         <p:spPr>
-          <a:xfrm flipV="1">
-            <a:off x="3887358" y="3189768"/>
-            <a:ext cx="859571" cy="607626"/>
+          <a:xfrm flipH="1" flipV="1">
+            <a:off x="4225722" y="3189760"/>
+            <a:ext cx="163928" cy="607634"/>
           </a:xfrm>
           <a:prstGeom prst="line">
             <a:avLst/>
@@ -4039,8 +4044,8 @@
         </p:nvCxnSpPr>
         <p:spPr>
           <a:xfrm flipV="1">
-            <a:off x="3548994" y="3797395"/>
-            <a:ext cx="840656" cy="607627"/>
+            <a:off x="3742345" y="3797396"/>
+            <a:ext cx="647305" cy="253716"/>
           </a:xfrm>
           <a:prstGeom prst="line">
             <a:avLst/>
@@ -4275,6 +4280,45 @@
           <a:xfrm>
             <a:off x="3337400" y="3189759"/>
             <a:ext cx="549958" cy="607635"/>
+          </a:xfrm>
+          <a:prstGeom prst="line">
+            <a:avLst/>
+          </a:prstGeom>
+          <a:ln w="12700"/>
+        </p:spPr>
+        <p:style>
+          <a:lnRef idx="1">
+            <a:schemeClr val="accent2"/>
+          </a:lnRef>
+          <a:fillRef idx="0">
+            <a:schemeClr val="accent2"/>
+          </a:fillRef>
+          <a:effectRef idx="0">
+            <a:schemeClr val="accent2"/>
+          </a:effectRef>
+          <a:fontRef idx="minor">
+            <a:schemeClr val="tx1"/>
+          </a:fontRef>
+        </p:style>
+      </p:cxnSp>
+      <p:cxnSp>
+        <p:nvCxnSpPr>
+          <p:cNvPr id="29" name="Straight Connector 28">
+            <a:extLst>
+              <a:ext uri="{FF2B5EF4-FFF2-40B4-BE49-F238E27FC236}">
+                <a16:creationId xmlns:a16="http://schemas.microsoft.com/office/drawing/2014/main" id="{7C3B5E4C-0B6F-4104-AAB2-DFD809A62D3C}"/>
+              </a:ext>
+            </a:extLst>
+          </p:cNvPr>
+          <p:cNvCxnSpPr>
+            <a:cxnSpLocks/>
+          </p:cNvCxnSpPr>
+          <p:nvPr/>
+        </p:nvCxnSpPr>
+        <p:spPr>
+          <a:xfrm>
+            <a:off x="3742345" y="4051112"/>
+            <a:ext cx="290026" cy="353910"/>
           </a:xfrm>
           <a:prstGeom prst="line">
             <a:avLst/>
